--- a/PPT/MH.Ji/Image Classification 3.pptx
+++ b/PPT/MH.Ji/Image Classification 3.pptx
@@ -5,7 +5,7 @@
     <p:sldMasterId id="2147483648" r:id="rId1"/>
   </p:sldMasterIdLst>
   <p:notesMasterIdLst>
-    <p:notesMasterId r:id="rId20"/>
+    <p:notesMasterId r:id="rId26"/>
   </p:notesMasterIdLst>
   <p:sldIdLst>
     <p:sldId id="256" r:id="rId2"/>
@@ -25,7 +25,13 @@
     <p:sldId id="271" r:id="rId16"/>
     <p:sldId id="272" r:id="rId17"/>
     <p:sldId id="273" r:id="rId18"/>
-    <p:sldId id="269" r:id="rId19"/>
+    <p:sldId id="274" r:id="rId19"/>
+    <p:sldId id="275" r:id="rId20"/>
+    <p:sldId id="276" r:id="rId21"/>
+    <p:sldId id="277" r:id="rId22"/>
+    <p:sldId id="278" r:id="rId23"/>
+    <p:sldId id="279" r:id="rId24"/>
+    <p:sldId id="269" r:id="rId25"/>
   </p:sldIdLst>
   <p:sldSz cx="12192000" cy="6858000"/>
   <p:notesSz cx="6858000" cy="9144000"/>
@@ -214,7 +220,7 @@
           <a:p>
             <a:fld id="{773C8D80-79AE-477D-B045-8EAFE32DF695}" type="datetimeFigureOut">
               <a:rPr lang="ko-KR" altLang="en-US" smtClean="0"/>
-              <a:t>2020-08-19</a:t>
+              <a:t>2020-08-20</a:t>
             </a:fld>
             <a:endParaRPr lang="ko-KR" altLang="en-US"/>
           </a:p>
@@ -1889,7 +1895,7 @@
           <a:p>
             <a:fld id="{C7FE402D-F62B-4346-AFA9-10A7111BAECE}" type="datetimeFigureOut">
               <a:rPr lang="ko-KR" altLang="en-US" smtClean="0"/>
-              <a:t>2020-08-19</a:t>
+              <a:t>2020-08-20</a:t>
             </a:fld>
             <a:endParaRPr lang="ko-KR" altLang="en-US"/>
           </a:p>
@@ -2059,7 +2065,7 @@
           <a:p>
             <a:fld id="{C7FE402D-F62B-4346-AFA9-10A7111BAECE}" type="datetimeFigureOut">
               <a:rPr lang="ko-KR" altLang="en-US" smtClean="0"/>
-              <a:t>2020-08-19</a:t>
+              <a:t>2020-08-20</a:t>
             </a:fld>
             <a:endParaRPr lang="ko-KR" altLang="en-US"/>
           </a:p>
@@ -2239,7 +2245,7 @@
           <a:p>
             <a:fld id="{C7FE402D-F62B-4346-AFA9-10A7111BAECE}" type="datetimeFigureOut">
               <a:rPr lang="ko-KR" altLang="en-US" smtClean="0"/>
-              <a:t>2020-08-19</a:t>
+              <a:t>2020-08-20</a:t>
             </a:fld>
             <a:endParaRPr lang="ko-KR" altLang="en-US"/>
           </a:p>
@@ -2409,7 +2415,7 @@
           <a:p>
             <a:fld id="{C7FE402D-F62B-4346-AFA9-10A7111BAECE}" type="datetimeFigureOut">
               <a:rPr lang="ko-KR" altLang="en-US" smtClean="0"/>
-              <a:t>2020-08-19</a:t>
+              <a:t>2020-08-20</a:t>
             </a:fld>
             <a:endParaRPr lang="ko-KR" altLang="en-US"/>
           </a:p>
@@ -2655,7 +2661,7 @@
           <a:p>
             <a:fld id="{C7FE402D-F62B-4346-AFA9-10A7111BAECE}" type="datetimeFigureOut">
               <a:rPr lang="ko-KR" altLang="en-US" smtClean="0"/>
-              <a:t>2020-08-19</a:t>
+              <a:t>2020-08-20</a:t>
             </a:fld>
             <a:endParaRPr lang="ko-KR" altLang="en-US"/>
           </a:p>
@@ -2887,7 +2893,7 @@
           <a:p>
             <a:fld id="{C7FE402D-F62B-4346-AFA9-10A7111BAECE}" type="datetimeFigureOut">
               <a:rPr lang="ko-KR" altLang="en-US" smtClean="0"/>
-              <a:t>2020-08-19</a:t>
+              <a:t>2020-08-20</a:t>
             </a:fld>
             <a:endParaRPr lang="ko-KR" altLang="en-US"/>
           </a:p>
@@ -3254,7 +3260,7 @@
           <a:p>
             <a:fld id="{C7FE402D-F62B-4346-AFA9-10A7111BAECE}" type="datetimeFigureOut">
               <a:rPr lang="ko-KR" altLang="en-US" smtClean="0"/>
-              <a:t>2020-08-19</a:t>
+              <a:t>2020-08-20</a:t>
             </a:fld>
             <a:endParaRPr lang="ko-KR" altLang="en-US"/>
           </a:p>
@@ -3372,7 +3378,7 @@
           <a:p>
             <a:fld id="{C7FE402D-F62B-4346-AFA9-10A7111BAECE}" type="datetimeFigureOut">
               <a:rPr lang="ko-KR" altLang="en-US" smtClean="0"/>
-              <a:t>2020-08-19</a:t>
+              <a:t>2020-08-20</a:t>
             </a:fld>
             <a:endParaRPr lang="ko-KR" altLang="en-US"/>
           </a:p>
@@ -3467,7 +3473,7 @@
           <a:p>
             <a:fld id="{C7FE402D-F62B-4346-AFA9-10A7111BAECE}" type="datetimeFigureOut">
               <a:rPr lang="ko-KR" altLang="en-US" smtClean="0"/>
-              <a:t>2020-08-19</a:t>
+              <a:t>2020-08-20</a:t>
             </a:fld>
             <a:endParaRPr lang="ko-KR" altLang="en-US"/>
           </a:p>
@@ -3744,7 +3750,7 @@
           <a:p>
             <a:fld id="{C7FE402D-F62B-4346-AFA9-10A7111BAECE}" type="datetimeFigureOut">
               <a:rPr lang="ko-KR" altLang="en-US" smtClean="0"/>
-              <a:t>2020-08-19</a:t>
+              <a:t>2020-08-20</a:t>
             </a:fld>
             <a:endParaRPr lang="ko-KR" altLang="en-US"/>
           </a:p>
@@ -3997,7 +4003,7 @@
           <a:p>
             <a:fld id="{C7FE402D-F62B-4346-AFA9-10A7111BAECE}" type="datetimeFigureOut">
               <a:rPr lang="ko-KR" altLang="en-US" smtClean="0"/>
-              <a:t>2020-08-19</a:t>
+              <a:t>2020-08-20</a:t>
             </a:fld>
             <a:endParaRPr lang="ko-KR" altLang="en-US"/>
           </a:p>
@@ -4210,7 +4216,7 @@
           <a:p>
             <a:fld id="{C7FE402D-F62B-4346-AFA9-10A7111BAECE}" type="datetimeFigureOut">
               <a:rPr lang="ko-KR" altLang="en-US" smtClean="0"/>
-              <a:t>2020-08-19</a:t>
+              <a:t>2020-08-20</a:t>
             </a:fld>
             <a:endParaRPr lang="ko-KR" altLang="en-US"/>
           </a:p>
@@ -5412,38 +5418,155 @@
       </p:grpSpPr>
       <p:sp>
         <p:nvSpPr>
-          <p:cNvPr id="2" name="TextBox 1"/>
-          <p:cNvSpPr txBox="1"/>
+          <p:cNvPr id="2" name="제목 1"/>
+          <p:cNvSpPr txBox="1">
+            <a:spLocks/>
+          </p:cNvSpPr>
           <p:nvPr/>
         </p:nvSpPr>
         <p:spPr>
           <a:xfrm>
-            <a:off x="5510213" y="2490788"/>
-            <a:ext cx="3738562" cy="369332"/>
+            <a:off x="110067" y="0"/>
+            <a:ext cx="8729133" cy="1021976"/>
           </a:xfrm>
           <a:prstGeom prst="rect">
             <a:avLst/>
           </a:prstGeom>
-          <a:noFill/>
         </p:spPr>
         <p:txBody>
-          <a:bodyPr wrap="square" rtlCol="0">
-            <a:spAutoFit/>
+          <a:bodyPr>
+            <a:normAutofit fontScale="97500"/>
           </a:bodyPr>
-          <a:lstStyle/>
-          <a:p>
-            <a:r>
-              <a:rPr lang="ko-KR" altLang="en-US" dirty="0" smtClean="0"/>
-              <a:t>감사합니다</a:t>
+          <a:lstStyle>
+            <a:lvl1pPr algn="l" defTabSz="914400" rtl="0" eaLnBrk="1" latinLnBrk="1" hangingPunct="1">
+              <a:lnSpc>
+                <a:spcPct val="90000"/>
+              </a:lnSpc>
+              <a:spcBef>
+                <a:spcPct val="0"/>
+              </a:spcBef>
+              <a:buNone/>
+              <a:defRPr sz="4400" kern="1200">
+                <a:solidFill>
+                  <a:schemeClr val="tx1"/>
+                </a:solidFill>
+                <a:latin typeface="+mj-lt"/>
+                <a:ea typeface="+mj-ea"/>
+                <a:cs typeface="+mj-cs"/>
+              </a:defRPr>
+            </a:lvl1pPr>
+          </a:lstStyle>
+          <a:p>
+            <a:r>
+              <a:rPr lang="en-US" altLang="ko-KR" dirty="0"/>
+              <a:t>7</a:t>
+            </a:r>
+            <a:r>
+              <a:rPr lang="en-US" altLang="ko-KR" dirty="0" smtClean="0"/>
+              <a:t>. </a:t>
+            </a:r>
+            <a:r>
+              <a:rPr lang="en-US" altLang="ko-KR" dirty="0" err="1" smtClean="0"/>
+              <a:t>DenseNet</a:t>
             </a:r>
             <a:endParaRPr lang="ko-KR" altLang="en-US" dirty="0"/>
           </a:p>
         </p:txBody>
       </p:sp>
+      <p:pic>
+        <p:nvPicPr>
+          <p:cNvPr id="3" name="그림 2"/>
+          <p:cNvPicPr>
+            <a:picLocks noChangeAspect="1"/>
+          </p:cNvPicPr>
+          <p:nvPr/>
+        </p:nvPicPr>
+        <p:blipFill>
+          <a:blip r:embed="rId2">
+            <a:extLst>
+              <a:ext uri="{28A0092B-C50C-407E-A947-70E740481C1C}">
+                <a14:useLocalDpi xmlns:a14="http://schemas.microsoft.com/office/drawing/2010/main" val="0"/>
+              </a:ext>
+            </a:extLst>
+          </a:blip>
+          <a:stretch>
+            <a:fillRect/>
+          </a:stretch>
+        </p:blipFill>
+        <p:spPr>
+          <a:xfrm>
+            <a:off x="966787" y="1190625"/>
+            <a:ext cx="10258425" cy="4476750"/>
+          </a:xfrm>
+          <a:prstGeom prst="rect">
+            <a:avLst/>
+          </a:prstGeom>
+        </p:spPr>
+      </p:pic>
     </p:spTree>
     <p:extLst>
       <p:ext uri="{BB962C8B-B14F-4D97-AF65-F5344CB8AC3E}">
-        <p14:creationId xmlns:p14="http://schemas.microsoft.com/office/powerpoint/2010/main" val="2614458674"/>
+        <p14:creationId xmlns:p14="http://schemas.microsoft.com/office/powerpoint/2010/main" val="1093593113"/>
+      </p:ext>
+    </p:extLst>
+  </p:cSld>
+  <p:clrMapOvr>
+    <a:masterClrMapping/>
+  </p:clrMapOvr>
+</p:sld>
+</file>
+
+<file path=ppt/slides/slide19.xml><?xml version="1.0" encoding="utf-8"?>
+<p:sld xmlns:a="http://schemas.openxmlformats.org/drawingml/2006/main" xmlns:r="http://schemas.openxmlformats.org/officeDocument/2006/relationships" xmlns:p="http://schemas.openxmlformats.org/presentationml/2006/main">
+  <p:cSld>
+    <p:spTree>
+      <p:nvGrpSpPr>
+        <p:cNvPr id="1" name=""/>
+        <p:cNvGrpSpPr/>
+        <p:nvPr/>
+      </p:nvGrpSpPr>
+      <p:grpSpPr>
+        <a:xfrm>
+          <a:off x="0" y="0"/>
+          <a:ext cx="0" cy="0"/>
+          <a:chOff x="0" y="0"/>
+          <a:chExt cx="0" cy="0"/>
+        </a:xfrm>
+      </p:grpSpPr>
+      <p:pic>
+        <p:nvPicPr>
+          <p:cNvPr id="2" name="그림 1"/>
+          <p:cNvPicPr>
+            <a:picLocks noChangeAspect="1"/>
+          </p:cNvPicPr>
+          <p:nvPr/>
+        </p:nvPicPr>
+        <p:blipFill>
+          <a:blip r:embed="rId2">
+            <a:extLst>
+              <a:ext uri="{28A0092B-C50C-407E-A947-70E740481C1C}">
+                <a14:useLocalDpi xmlns:a14="http://schemas.microsoft.com/office/drawing/2010/main" val="0"/>
+              </a:ext>
+            </a:extLst>
+          </a:blip>
+          <a:stretch>
+            <a:fillRect/>
+          </a:stretch>
+        </p:blipFill>
+        <p:spPr>
+          <a:xfrm>
+            <a:off x="990600" y="485775"/>
+            <a:ext cx="10210800" cy="5886450"/>
+          </a:xfrm>
+          <a:prstGeom prst="rect">
+            <a:avLst/>
+          </a:prstGeom>
+        </p:spPr>
+      </p:pic>
+    </p:spTree>
+    <p:extLst>
+      <p:ext uri="{BB962C8B-B14F-4D97-AF65-F5344CB8AC3E}">
+        <p14:creationId xmlns:p14="http://schemas.microsoft.com/office/powerpoint/2010/main" val="3547609733"/>
       </p:ext>
     </p:extLst>
   </p:cSld>
@@ -5507,7 +5630,7 @@
         <p:spPr>
           <a:xfrm>
             <a:off x="5071003" y="2483907"/>
-            <a:ext cx="6121400" cy="1754326"/>
+            <a:ext cx="6121400" cy="2031325"/>
           </a:xfrm>
           <a:prstGeom prst="rect">
             <a:avLst/>
@@ -5575,8 +5698,22 @@
             </a:pPr>
             <a:r>
               <a:rPr lang="en-US" altLang="ko-KR" dirty="0" smtClean="0"/>
-              <a:t>Residual Attention Network</a:t>
-            </a:r>
+              <a:t>Residual Attention </a:t>
+            </a:r>
+            <a:r>
+              <a:rPr lang="en-US" altLang="ko-KR" dirty="0" smtClean="0"/>
+              <a:t>Network</a:t>
+            </a:r>
+          </a:p>
+          <a:p>
+            <a:pPr marL="342900" indent="-342900">
+              <a:buAutoNum type="arabicPeriod"/>
+            </a:pPr>
+            <a:r>
+              <a:rPr lang="en-US" altLang="ko-KR" dirty="0" err="1" smtClean="0"/>
+              <a:t>DenseNet</a:t>
+            </a:r>
+            <a:endParaRPr lang="en-US" altLang="ko-KR" dirty="0" smtClean="0"/>
           </a:p>
         </p:txBody>
       </p:sp>
@@ -5597,6 +5734,336 @@
       </p:par>
     </p:tnLst>
   </p:timing>
+</p:sld>
+</file>
+
+<file path=ppt/slides/slide20.xml><?xml version="1.0" encoding="utf-8"?>
+<p:sld xmlns:a="http://schemas.openxmlformats.org/drawingml/2006/main" xmlns:r="http://schemas.openxmlformats.org/officeDocument/2006/relationships" xmlns:p="http://schemas.openxmlformats.org/presentationml/2006/main">
+  <p:cSld>
+    <p:spTree>
+      <p:nvGrpSpPr>
+        <p:cNvPr id="1" name=""/>
+        <p:cNvGrpSpPr/>
+        <p:nvPr/>
+      </p:nvGrpSpPr>
+      <p:grpSpPr>
+        <a:xfrm>
+          <a:off x="0" y="0"/>
+          <a:ext cx="0" cy="0"/>
+          <a:chOff x="0" y="0"/>
+          <a:chExt cx="0" cy="0"/>
+        </a:xfrm>
+      </p:grpSpPr>
+      <p:pic>
+        <p:nvPicPr>
+          <p:cNvPr id="2" name="그림 1"/>
+          <p:cNvPicPr>
+            <a:picLocks noChangeAspect="1"/>
+          </p:cNvPicPr>
+          <p:nvPr/>
+        </p:nvPicPr>
+        <p:blipFill>
+          <a:blip r:embed="rId2">
+            <a:extLst>
+              <a:ext uri="{28A0092B-C50C-407E-A947-70E740481C1C}">
+                <a14:useLocalDpi xmlns:a14="http://schemas.microsoft.com/office/drawing/2010/main" val="0"/>
+              </a:ext>
+            </a:extLst>
+          </a:blip>
+          <a:stretch>
+            <a:fillRect/>
+          </a:stretch>
+        </p:blipFill>
+        <p:spPr>
+          <a:xfrm>
+            <a:off x="2768269" y="280269"/>
+            <a:ext cx="6315075" cy="2105025"/>
+          </a:xfrm>
+          <a:prstGeom prst="rect">
+            <a:avLst/>
+          </a:prstGeom>
+        </p:spPr>
+      </p:pic>
+      <p:pic>
+        <p:nvPicPr>
+          <p:cNvPr id="3" name="그림 2"/>
+          <p:cNvPicPr>
+            <a:picLocks noChangeAspect="1"/>
+          </p:cNvPicPr>
+          <p:nvPr/>
+        </p:nvPicPr>
+        <p:blipFill>
+          <a:blip r:embed="rId3">
+            <a:extLst>
+              <a:ext uri="{28A0092B-C50C-407E-A947-70E740481C1C}">
+                <a14:useLocalDpi xmlns:a14="http://schemas.microsoft.com/office/drawing/2010/main" val="0"/>
+              </a:ext>
+            </a:extLst>
+          </a:blip>
+          <a:stretch>
+            <a:fillRect/>
+          </a:stretch>
+        </p:blipFill>
+        <p:spPr>
+          <a:xfrm>
+            <a:off x="2244395" y="2596640"/>
+            <a:ext cx="7362825" cy="3838575"/>
+          </a:xfrm>
+          <a:prstGeom prst="rect">
+            <a:avLst/>
+          </a:prstGeom>
+        </p:spPr>
+      </p:pic>
+    </p:spTree>
+    <p:extLst>
+      <p:ext uri="{BB962C8B-B14F-4D97-AF65-F5344CB8AC3E}">
+        <p14:creationId xmlns:p14="http://schemas.microsoft.com/office/powerpoint/2010/main" val="1016839947"/>
+      </p:ext>
+    </p:extLst>
+  </p:cSld>
+  <p:clrMapOvr>
+    <a:masterClrMapping/>
+  </p:clrMapOvr>
+</p:sld>
+</file>
+
+<file path=ppt/slides/slide21.xml><?xml version="1.0" encoding="utf-8"?>
+<p:sld xmlns:a="http://schemas.openxmlformats.org/drawingml/2006/main" xmlns:r="http://schemas.openxmlformats.org/officeDocument/2006/relationships" xmlns:p="http://schemas.openxmlformats.org/presentationml/2006/main">
+  <p:cSld>
+    <p:spTree>
+      <p:nvGrpSpPr>
+        <p:cNvPr id="1" name=""/>
+        <p:cNvGrpSpPr/>
+        <p:nvPr/>
+      </p:nvGrpSpPr>
+      <p:grpSpPr>
+        <a:xfrm>
+          <a:off x="0" y="0"/>
+          <a:ext cx="0" cy="0"/>
+          <a:chOff x="0" y="0"/>
+          <a:chExt cx="0" cy="0"/>
+        </a:xfrm>
+      </p:grpSpPr>
+      <p:pic>
+        <p:nvPicPr>
+          <p:cNvPr id="2" name="그림 1"/>
+          <p:cNvPicPr>
+            <a:picLocks noChangeAspect="1"/>
+          </p:cNvPicPr>
+          <p:nvPr/>
+        </p:nvPicPr>
+        <p:blipFill>
+          <a:blip r:embed="rId2">
+            <a:extLst>
+              <a:ext uri="{28A0092B-C50C-407E-A947-70E740481C1C}">
+                <a14:useLocalDpi xmlns:a14="http://schemas.microsoft.com/office/drawing/2010/main" val="0"/>
+              </a:ext>
+            </a:extLst>
+          </a:blip>
+          <a:stretch>
+            <a:fillRect/>
+          </a:stretch>
+        </p:blipFill>
+        <p:spPr>
+          <a:xfrm>
+            <a:off x="1185862" y="1790700"/>
+            <a:ext cx="9820275" cy="3276600"/>
+          </a:xfrm>
+          <a:prstGeom prst="rect">
+            <a:avLst/>
+          </a:prstGeom>
+        </p:spPr>
+      </p:pic>
+    </p:spTree>
+    <p:extLst>
+      <p:ext uri="{BB962C8B-B14F-4D97-AF65-F5344CB8AC3E}">
+        <p14:creationId xmlns:p14="http://schemas.microsoft.com/office/powerpoint/2010/main" val="2299013600"/>
+      </p:ext>
+    </p:extLst>
+  </p:cSld>
+  <p:clrMapOvr>
+    <a:masterClrMapping/>
+  </p:clrMapOvr>
+</p:sld>
+</file>
+
+<file path=ppt/slides/slide22.xml><?xml version="1.0" encoding="utf-8"?>
+<p:sld xmlns:a="http://schemas.openxmlformats.org/drawingml/2006/main" xmlns:r="http://schemas.openxmlformats.org/officeDocument/2006/relationships" xmlns:p="http://schemas.openxmlformats.org/presentationml/2006/main">
+  <p:cSld>
+    <p:spTree>
+      <p:nvGrpSpPr>
+        <p:cNvPr id="1" name=""/>
+        <p:cNvGrpSpPr/>
+        <p:nvPr/>
+      </p:nvGrpSpPr>
+      <p:grpSpPr>
+        <a:xfrm>
+          <a:off x="0" y="0"/>
+          <a:ext cx="0" cy="0"/>
+          <a:chOff x="0" y="0"/>
+          <a:chExt cx="0" cy="0"/>
+        </a:xfrm>
+      </p:grpSpPr>
+      <p:pic>
+        <p:nvPicPr>
+          <p:cNvPr id="2" name="그림 1"/>
+          <p:cNvPicPr>
+            <a:picLocks noChangeAspect="1"/>
+          </p:cNvPicPr>
+          <p:nvPr/>
+        </p:nvPicPr>
+        <p:blipFill>
+          <a:blip r:embed="rId2">
+            <a:extLst>
+              <a:ext uri="{28A0092B-C50C-407E-A947-70E740481C1C}">
+                <a14:useLocalDpi xmlns:a14="http://schemas.microsoft.com/office/drawing/2010/main" val="0"/>
+              </a:ext>
+            </a:extLst>
+          </a:blip>
+          <a:stretch>
+            <a:fillRect/>
+          </a:stretch>
+        </p:blipFill>
+        <p:spPr>
+          <a:xfrm>
+            <a:off x="510886" y="0"/>
+            <a:ext cx="11170227" cy="6858000"/>
+          </a:xfrm>
+          <a:prstGeom prst="rect">
+            <a:avLst/>
+          </a:prstGeom>
+        </p:spPr>
+      </p:pic>
+    </p:spTree>
+    <p:extLst>
+      <p:ext uri="{BB962C8B-B14F-4D97-AF65-F5344CB8AC3E}">
+        <p14:creationId xmlns:p14="http://schemas.microsoft.com/office/powerpoint/2010/main" val="4253391405"/>
+      </p:ext>
+    </p:extLst>
+  </p:cSld>
+  <p:clrMapOvr>
+    <a:masterClrMapping/>
+  </p:clrMapOvr>
+</p:sld>
+</file>
+
+<file path=ppt/slides/slide23.xml><?xml version="1.0" encoding="utf-8"?>
+<p:sld xmlns:a="http://schemas.openxmlformats.org/drawingml/2006/main" xmlns:r="http://schemas.openxmlformats.org/officeDocument/2006/relationships" xmlns:p="http://schemas.openxmlformats.org/presentationml/2006/main">
+  <p:cSld>
+    <p:spTree>
+      <p:nvGrpSpPr>
+        <p:cNvPr id="1" name=""/>
+        <p:cNvGrpSpPr/>
+        <p:nvPr/>
+      </p:nvGrpSpPr>
+      <p:grpSpPr>
+        <a:xfrm>
+          <a:off x="0" y="0"/>
+          <a:ext cx="0" cy="0"/>
+          <a:chOff x="0" y="0"/>
+          <a:chExt cx="0" cy="0"/>
+        </a:xfrm>
+      </p:grpSpPr>
+      <p:pic>
+        <p:nvPicPr>
+          <p:cNvPr id="2" name="그림 1"/>
+          <p:cNvPicPr>
+            <a:picLocks noChangeAspect="1"/>
+          </p:cNvPicPr>
+          <p:nvPr/>
+        </p:nvPicPr>
+        <p:blipFill>
+          <a:blip r:embed="rId2">
+            <a:extLst>
+              <a:ext uri="{28A0092B-C50C-407E-A947-70E740481C1C}">
+                <a14:useLocalDpi xmlns:a14="http://schemas.microsoft.com/office/drawing/2010/main" val="0"/>
+              </a:ext>
+            </a:extLst>
+          </a:blip>
+          <a:stretch>
+            <a:fillRect/>
+          </a:stretch>
+        </p:blipFill>
+        <p:spPr>
+          <a:xfrm>
+            <a:off x="0" y="1969708"/>
+            <a:ext cx="12192000" cy="2918583"/>
+          </a:xfrm>
+          <a:prstGeom prst="rect">
+            <a:avLst/>
+          </a:prstGeom>
+        </p:spPr>
+      </p:pic>
+    </p:spTree>
+    <p:extLst>
+      <p:ext uri="{BB962C8B-B14F-4D97-AF65-F5344CB8AC3E}">
+        <p14:creationId xmlns:p14="http://schemas.microsoft.com/office/powerpoint/2010/main" val="2849485496"/>
+      </p:ext>
+    </p:extLst>
+  </p:cSld>
+  <p:clrMapOvr>
+    <a:masterClrMapping/>
+  </p:clrMapOvr>
+</p:sld>
+</file>
+
+<file path=ppt/slides/slide24.xml><?xml version="1.0" encoding="utf-8"?>
+<p:sld xmlns:a="http://schemas.openxmlformats.org/drawingml/2006/main" xmlns:r="http://schemas.openxmlformats.org/officeDocument/2006/relationships" xmlns:p="http://schemas.openxmlformats.org/presentationml/2006/main">
+  <p:cSld>
+    <p:spTree>
+      <p:nvGrpSpPr>
+        <p:cNvPr id="1" name=""/>
+        <p:cNvGrpSpPr/>
+        <p:nvPr/>
+      </p:nvGrpSpPr>
+      <p:grpSpPr>
+        <a:xfrm>
+          <a:off x="0" y="0"/>
+          <a:ext cx="0" cy="0"/>
+          <a:chOff x="0" y="0"/>
+          <a:chExt cx="0" cy="0"/>
+        </a:xfrm>
+      </p:grpSpPr>
+      <p:sp>
+        <p:nvSpPr>
+          <p:cNvPr id="2" name="TextBox 1"/>
+          <p:cNvSpPr txBox="1"/>
+          <p:nvPr/>
+        </p:nvSpPr>
+        <p:spPr>
+          <a:xfrm>
+            <a:off x="5510213" y="2490788"/>
+            <a:ext cx="3738562" cy="369332"/>
+          </a:xfrm>
+          <a:prstGeom prst="rect">
+            <a:avLst/>
+          </a:prstGeom>
+          <a:noFill/>
+        </p:spPr>
+        <p:txBody>
+          <a:bodyPr wrap="square" rtlCol="0">
+            <a:spAutoFit/>
+          </a:bodyPr>
+          <a:lstStyle/>
+          <a:p>
+            <a:r>
+              <a:rPr lang="ko-KR" altLang="en-US" dirty="0" smtClean="0"/>
+              <a:t>감사합니다</a:t>
+            </a:r>
+            <a:endParaRPr lang="ko-KR" altLang="en-US" dirty="0"/>
+          </a:p>
+        </p:txBody>
+      </p:sp>
+    </p:spTree>
+    <p:extLst>
+      <p:ext uri="{BB962C8B-B14F-4D97-AF65-F5344CB8AC3E}">
+        <p14:creationId xmlns:p14="http://schemas.microsoft.com/office/powerpoint/2010/main" val="2614458674"/>
+      </p:ext>
+    </p:extLst>
+  </p:cSld>
+  <p:clrMapOvr>
+    <a:masterClrMapping/>
+  </p:clrMapOvr>
 </p:sld>
 </file>
 
